--- a/KOPO-Spring(윤교수님)/스프링(v2023)/스프링_11강 mvc(수정).pptx
+++ b/KOPO-Spring(윤교수님)/스프링(v2023)/스프링_11강 mvc(수정).pptx
@@ -7,7 +7,7 @@
     <p:sldMasterId id="2147484008" r:id="rId3"/>
   </p:sldMasterIdLst>
   <p:notesMasterIdLst>
-    <p:notesMasterId r:id="rId12"/>
+    <p:notesMasterId r:id="rId13"/>
   </p:notesMasterIdLst>
   <p:sldIdLst>
     <p:sldId id="694" r:id="rId4"/>
@@ -18,6 +18,7 @@
     <p:sldId id="1011" r:id="rId9"/>
     <p:sldId id="1012" r:id="rId10"/>
     <p:sldId id="1013" r:id="rId11"/>
+    <p:sldId id="1014" r:id="rId12"/>
   </p:sldIdLst>
   <p:sldSz cx="9906000" cy="6858000" type="A4"/>
   <p:notesSz cx="6802438" cy="9934575"/>
@@ -7166,11 +7167,7 @@
             </a:r>
             <a:r>
               <a:rPr lang="en-US" altLang="ko-KR" sz="1367" smtClean="0"/>
-              <a:t>. </a:t>
-            </a:r>
-            <a:r>
-              <a:rPr lang="en-US" altLang="ko-KR" sz="1367" smtClean="0"/>
-              <a:t>domain </a:t>
+              <a:t>. domain </a:t>
             </a:r>
             <a:r>
               <a:rPr lang="ko-KR" altLang="en-US" sz="1367" smtClean="0"/>
@@ -7998,11 +7995,7 @@
             </a:pPr>
             <a:r>
               <a:rPr lang="en-US" altLang="ko-KR" sz="1367"/>
-              <a:t> </a:t>
-            </a:r>
-            <a:r>
-              <a:rPr lang="en-US" altLang="ko-KR" sz="1367"/>
-              <a:t>- http://localhost:8888/hello</a:t>
+              <a:t> - http://localhost:8888/hello</a:t>
             </a:r>
             <a:endParaRPr lang="en-US" altLang="ko-KR" sz="1367" dirty="0" smtClean="0"/>
           </a:p>
@@ -8288,11 +8281,7 @@
             </a:pPr>
             <a:r>
               <a:rPr lang="en-US" altLang="ko-KR" sz="1367"/>
-              <a:t> </a:t>
-            </a:r>
-            <a:r>
-              <a:rPr lang="en-US" altLang="ko-KR" sz="1367"/>
-              <a:t>- http://localhost:8888/hello</a:t>
+              <a:t> - http://localhost:8888/hello</a:t>
             </a:r>
             <a:endParaRPr lang="en-US" altLang="ko-KR" sz="1367" dirty="0" smtClean="0"/>
           </a:p>
@@ -8560,11 +8549,7 @@
             </a:pPr>
             <a:r>
               <a:rPr lang="en-US" altLang="ko-KR" sz="1367" smtClean="0"/>
-              <a:t>6. </a:t>
-            </a:r>
-            <a:r>
-              <a:rPr lang="en-US" altLang="ko-KR" sz="1367" smtClean="0"/>
-              <a:t>Debug</a:t>
+              <a:t>6. Debug</a:t>
             </a:r>
             <a:r>
               <a:rPr lang="ko-KR" altLang="en-US" sz="1367" smtClean="0"/>
@@ -8578,11 +8563,7 @@
             </a:pPr>
             <a:r>
               <a:rPr lang="en-US" altLang="ko-KR" sz="1367"/>
-              <a:t> </a:t>
-            </a:r>
-            <a:r>
-              <a:rPr lang="en-US" altLang="ko-KR" sz="1367"/>
-              <a:t>- http://localhost:8888/hello</a:t>
+              <a:t> - http://localhost:8888/hello</a:t>
             </a:r>
             <a:endParaRPr lang="en-US" altLang="ko-KR" sz="1367" dirty="0" smtClean="0"/>
           </a:p>
@@ -8654,6 +8635,309 @@
     <p:extLst>
       <p:ext uri="{BB962C8B-B14F-4D97-AF65-F5344CB8AC3E}">
         <p14:creationId xmlns:p14="http://schemas.microsoft.com/office/powerpoint/2010/main" val="3358166475"/>
+      </p:ext>
+    </p:extLst>
+  </p:cSld>
+  <p:clrMapOvr>
+    <a:masterClrMapping/>
+  </p:clrMapOvr>
+  <p:timing>
+    <p:tnLst>
+      <p:par>
+        <p:cTn id="1" dur="indefinite" restart="never" nodeType="tmRoot"/>
+      </p:par>
+    </p:tnLst>
+  </p:timing>
+</p:sld>
+</file>
+
+<file path=ppt/slides/slide9.xml><?xml version="1.0" encoding="utf-8"?>
+<p:sld xmlns:a="http://schemas.openxmlformats.org/drawingml/2006/main" xmlns:r="http://schemas.openxmlformats.org/officeDocument/2006/relationships" xmlns:p="http://schemas.openxmlformats.org/presentationml/2006/main">
+  <p:cSld>
+    <p:spTree>
+      <p:nvGrpSpPr>
+        <p:cNvPr id="1" name=""/>
+        <p:cNvGrpSpPr/>
+        <p:nvPr/>
+      </p:nvGrpSpPr>
+      <p:grpSpPr>
+        <a:xfrm>
+          <a:off x="0" y="0"/>
+          <a:ext cx="0" cy="0"/>
+          <a:chOff x="0" y="0"/>
+          <a:chExt cx="0" cy="0"/>
+        </a:xfrm>
+      </p:grpSpPr>
+      <p:sp>
+        <p:nvSpPr>
+          <p:cNvPr id="331781" name="Rectangle 2"/>
+          <p:cNvSpPr>
+            <a:spLocks noChangeArrowheads="1"/>
+          </p:cNvSpPr>
+          <p:nvPr/>
+        </p:nvSpPr>
+        <p:spPr bwMode="auto">
+          <a:xfrm>
+            <a:off x="273050" y="0"/>
+            <a:ext cx="9504363" cy="692150"/>
+          </a:xfrm>
+          <a:prstGeom prst="rect">
+            <a:avLst/>
+          </a:prstGeom>
+          <a:noFill/>
+          <a:ln w="9525">
+            <a:noFill/>
+            <a:miter lim="800000"/>
+            <a:headEnd/>
+            <a:tailEnd/>
+          </a:ln>
+        </p:spPr>
+        <p:txBody>
+          <a:bodyPr anchor="ctr" anchorCtr="0"/>
+          <a:lstStyle/>
+          <a:p>
+            <a:pPr eaLnBrk="1" hangingPunct="1">
+              <a:spcBef>
+                <a:spcPct val="0"/>
+              </a:spcBef>
+              <a:buClrTx/>
+            </a:pPr>
+            <a:r>
+              <a:rPr lang="en-US" altLang="ko-KR" sz="1800" dirty="0" smtClean="0">
+                <a:solidFill>
+                  <a:schemeClr val="bg1"/>
+                </a:solidFill>
+              </a:rPr>
+              <a:t>  </a:t>
+            </a:r>
+            <a:endParaRPr lang="ko-KR" altLang="en-US" sz="1800" dirty="0">
+              <a:solidFill>
+                <a:schemeClr val="bg1"/>
+              </a:solidFill>
+            </a:endParaRPr>
+          </a:p>
+        </p:txBody>
+      </p:sp>
+      <p:sp>
+        <p:nvSpPr>
+          <p:cNvPr id="331782" name="Rectangle 3"/>
+          <p:cNvSpPr txBox="1">
+            <a:spLocks noChangeArrowheads="1"/>
+          </p:cNvSpPr>
+          <p:nvPr/>
+        </p:nvSpPr>
+        <p:spPr bwMode="auto">
+          <a:xfrm>
+            <a:off x="1140502" y="818917"/>
+            <a:ext cx="6558501" cy="5607233"/>
+          </a:xfrm>
+          <a:prstGeom prst="rect">
+            <a:avLst/>
+          </a:prstGeom>
+          <a:noFill/>
+          <a:ln w="9525">
+            <a:noFill/>
+            <a:miter lim="800000"/>
+            <a:headEnd/>
+            <a:tailEnd/>
+          </a:ln>
+        </p:spPr>
+        <p:txBody>
+          <a:bodyPr/>
+          <a:lstStyle/>
+          <a:p>
+            <a:pPr>
+              <a:spcBef>
+                <a:spcPct val="0"/>
+              </a:spcBef>
+            </a:pPr>
+            <a:r>
+              <a:rPr lang="en-US" altLang="ko-KR" sz="2000" dirty="0" smtClean="0"/>
+              <a:t>1</a:t>
+            </a:r>
+            <a:r>
+              <a:rPr lang="en-US" altLang="ko-KR" sz="2000" smtClean="0"/>
+              <a:t>. </a:t>
+            </a:r>
+            <a:r>
+              <a:rPr lang="en-US" altLang="ko-KR" sz="2000" smtClean="0"/>
+              <a:t>jstl</a:t>
+            </a:r>
+            <a:endParaRPr lang="en-US" altLang="ko-KR" sz="2000" dirty="0">
+              <a:solidFill>
+                <a:schemeClr val="tx1"/>
+              </a:solidFill>
+              <a:latin typeface="+mn-ea"/>
+            </a:endParaRPr>
+          </a:p>
+        </p:txBody>
+      </p:sp>
+      <p:sp>
+        <p:nvSpPr>
+          <p:cNvPr id="6179" name="슬라이드 번호 개체 틀 13"/>
+          <p:cNvSpPr txBox="1">
+            <a:spLocks noGrp="1"/>
+          </p:cNvSpPr>
+          <p:nvPr/>
+        </p:nvSpPr>
+        <p:spPr bwMode="auto">
+          <a:xfrm>
+            <a:off x="4665663" y="6538913"/>
+            <a:ext cx="557212" cy="304800"/>
+          </a:xfrm>
+          <a:prstGeom prst="rect">
+            <a:avLst/>
+          </a:prstGeom>
+          <a:noFill/>
+          <a:ln>
+            <a:miter lim="800000"/>
+            <a:headEnd/>
+            <a:tailEnd/>
+          </a:ln>
+        </p:spPr>
+        <p:txBody>
+          <a:bodyPr anchor="ctr"/>
+          <a:lstStyle/>
+          <a:p>
+            <a:pPr algn="ctr" eaLnBrk="1" hangingPunct="1">
+              <a:spcBef>
+                <a:spcPct val="0"/>
+              </a:spcBef>
+              <a:buClrTx/>
+              <a:defRPr/>
+            </a:pPr>
+            <a:fld id="{69188C54-76CB-4412-96DE-3B5465248ED9}" type="slidenum">
+              <a:rPr lang="en-US" altLang="ko-KR" sz="1100" b="0"/>
+              <a:pPr algn="ctr" eaLnBrk="1" hangingPunct="1">
+                <a:spcBef>
+                  <a:spcPct val="0"/>
+                </a:spcBef>
+                <a:buClrTx/>
+                <a:defRPr/>
+              </a:pPr>
+              <a:t>8</a:t>
+            </a:fld>
+            <a:endParaRPr lang="en-US" altLang="ko-KR" sz="1100" b="0"/>
+          </a:p>
+        </p:txBody>
+      </p:sp>
+      <p:sp>
+        <p:nvSpPr>
+          <p:cNvPr id="5" name="Rectangle 3"/>
+          <p:cNvSpPr txBox="1">
+            <a:spLocks noChangeArrowheads="1"/>
+          </p:cNvSpPr>
+          <p:nvPr/>
+        </p:nvSpPr>
+        <p:spPr bwMode="auto">
+          <a:xfrm>
+            <a:off x="668433" y="126767"/>
+            <a:ext cx="3018903" cy="438615"/>
+          </a:xfrm>
+          <a:prstGeom prst="rect">
+            <a:avLst/>
+          </a:prstGeom>
+          <a:noFill/>
+          <a:ln w="9525">
+            <a:noFill/>
+            <a:miter lim="800000"/>
+            <a:headEnd/>
+            <a:tailEnd/>
+          </a:ln>
+        </p:spPr>
+        <p:txBody>
+          <a:bodyPr/>
+          <a:lstStyle/>
+          <a:p>
+            <a:pPr>
+              <a:spcBef>
+                <a:spcPct val="0"/>
+              </a:spcBef>
+            </a:pPr>
+            <a:r>
+              <a:rPr lang="ko-KR" altLang="en-US" sz="1800" dirty="0" smtClean="0"/>
+              <a:t>주요내용</a:t>
+            </a:r>
+            <a:endParaRPr lang="en-US" altLang="ko-KR" dirty="0"/>
+          </a:p>
+        </p:txBody>
+      </p:sp>
+      <p:pic>
+        <p:nvPicPr>
+          <p:cNvPr id="2" name="그림 1"/>
+          <p:cNvPicPr>
+            <a:picLocks noChangeAspect="1"/>
+          </p:cNvPicPr>
+          <p:nvPr/>
+        </p:nvPicPr>
+        <p:blipFill>
+          <a:blip r:embed="rId2"/>
+          <a:stretch>
+            <a:fillRect/>
+          </a:stretch>
+        </p:blipFill>
+        <p:spPr>
+          <a:xfrm>
+            <a:off x="273050" y="1305755"/>
+            <a:ext cx="4648271" cy="2673515"/>
+          </a:xfrm>
+          <a:prstGeom prst="rect">
+            <a:avLst/>
+          </a:prstGeom>
+        </p:spPr>
+      </p:pic>
+      <p:pic>
+        <p:nvPicPr>
+          <p:cNvPr id="3" name="그림 2"/>
+          <p:cNvPicPr>
+            <a:picLocks noChangeAspect="1"/>
+          </p:cNvPicPr>
+          <p:nvPr/>
+        </p:nvPicPr>
+        <p:blipFill>
+          <a:blip r:embed="rId3"/>
+          <a:stretch>
+            <a:fillRect/>
+          </a:stretch>
+        </p:blipFill>
+        <p:spPr>
+          <a:xfrm>
+            <a:off x="5222875" y="1428450"/>
+            <a:ext cx="4368525" cy="2788126"/>
+          </a:xfrm>
+          <a:prstGeom prst="rect">
+            <a:avLst/>
+          </a:prstGeom>
+        </p:spPr>
+      </p:pic>
+      <p:pic>
+        <p:nvPicPr>
+          <p:cNvPr id="4" name="그림 3"/>
+          <p:cNvPicPr>
+            <a:picLocks noChangeAspect="1"/>
+          </p:cNvPicPr>
+          <p:nvPr/>
+        </p:nvPicPr>
+        <p:blipFill>
+          <a:blip r:embed="rId4"/>
+          <a:stretch>
+            <a:fillRect/>
+          </a:stretch>
+        </p:blipFill>
+        <p:spPr>
+          <a:xfrm>
+            <a:off x="184935" y="4466108"/>
+            <a:ext cx="5562528" cy="2179990"/>
+          </a:xfrm>
+          <a:prstGeom prst="rect">
+            <a:avLst/>
+          </a:prstGeom>
+        </p:spPr>
+      </p:pic>
+    </p:spTree>
+    <p:extLst>
+      <p:ext uri="{BB962C8B-B14F-4D97-AF65-F5344CB8AC3E}">
+        <p14:creationId xmlns:p14="http://schemas.microsoft.com/office/powerpoint/2010/main" val="2945144879"/>
       </p:ext>
     </p:extLst>
   </p:cSld>
